--- a/slides/Dantoni-Opsgility-MSFabric-Module2 v2.pptx
+++ b/slides/Dantoni-Opsgility-MSFabric-Module2 v2.pptx
@@ -125,6 +125,43 @@
 </p:presentation>
 </file>
 
+<file path=ppt/revisionInfo.xml><?xml version="1.0" encoding="utf-8"?>
+<p1510:revInfo xmlns:a="http://schemas.openxmlformats.org/drawingml/2006/main" xmlns:r="http://schemas.openxmlformats.org/officeDocument/2006/relationships" xmlns:p1510="http://schemas.microsoft.com/office/powerpoint/2015/10/main">
+  <p1510:revLst>
+    <p1510:client id="{EA619B9B-B909-CDBB-CDF1-1834499283D0}" v="2" dt="2023-09-25T09:36:39.414"/>
+  </p1510:revLst>
+</p1510:revInfo>
+</file>
+
+<file path=ppt/changesInfos/changesInfo1.xml><?xml version="1.0" encoding="utf-8"?>
+<pc:chgInfo xmlns:a="http://schemas.openxmlformats.org/drawingml/2006/main" xmlns:r="http://schemas.openxmlformats.org/officeDocument/2006/relationships" xmlns:ac="http://schemas.microsoft.com/office/drawing/2013/main/command" xmlns:pc="http://schemas.microsoft.com/office/powerpoint/2013/main/command">
+  <pc:docChgLst>
+    <pc:chgData name="Meagan Longoria" userId="S::meagan@dcac.com::5bb0f969-1731-49a3-87cb-f923b6b540b9" providerId="AD" clId="Web-{EA619B9B-B909-CDBB-CDF1-1834499283D0}"/>
+    <pc:docChg chg="modSld">
+      <pc:chgData name="Meagan Longoria" userId="S::meagan@dcac.com::5bb0f969-1731-49a3-87cb-f923b6b540b9" providerId="AD" clId="Web-{EA619B9B-B909-CDBB-CDF1-1834499283D0}" dt="2023-09-25T09:36:32.164" v="0" actId="20577"/>
+      <pc:docMkLst>
+        <pc:docMk/>
+      </pc:docMkLst>
+      <pc:sldChg chg="modSp">
+        <pc:chgData name="Meagan Longoria" userId="S::meagan@dcac.com::5bb0f969-1731-49a3-87cb-f923b6b540b9" providerId="AD" clId="Web-{EA619B9B-B909-CDBB-CDF1-1834499283D0}" dt="2023-09-25T09:36:32.164" v="0" actId="20577"/>
+        <pc:sldMkLst>
+          <pc:docMk/>
+          <pc:sldMk cId="19297968" sldId="2147470553"/>
+        </pc:sldMkLst>
+        <pc:spChg chg="mod">
+          <ac:chgData name="Meagan Longoria" userId="S::meagan@dcac.com::5bb0f969-1731-49a3-87cb-f923b6b540b9" providerId="AD" clId="Web-{EA619B9B-B909-CDBB-CDF1-1834499283D0}" dt="2023-09-25T09:36:32.164" v="0" actId="20577"/>
+          <ac:spMkLst>
+            <pc:docMk/>
+            <pc:sldMk cId="19297968" sldId="2147470553"/>
+            <ac:spMk id="3" creationId="{33B3B159-A982-E03B-7830-66591F295CD8}"/>
+          </ac:spMkLst>
+        </pc:spChg>
+      </pc:sldChg>
+    </pc:docChg>
+  </pc:docChgLst>
+</pc:chgInfo>
+</file>
+
 <file path=ppt/notesMasters/notesMaster1.xml><?xml version="1.0" encoding="utf-8"?>
 <p:notesMaster xmlns:a="http://schemas.openxmlformats.org/drawingml/2006/main" xmlns:r="http://schemas.openxmlformats.org/officeDocument/2006/relationships" xmlns:p="http://schemas.openxmlformats.org/presentationml/2006/main">
   <p:cSld>
@@ -207,7 +244,7 @@
           <a:p>
             <a:fld id="{0D354273-E04F-4A6B-AB46-301CAB090479}" type="datetimeFigureOut">
               <a:rPr lang="en-US" smtClean="0"/>
-              <a:t>9/21/2023</a:t>
+              <a:t>9/25/2023</a:t>
             </a:fld>
             <a:endParaRPr lang="en-US" dirty="0"/>
           </a:p>
@@ -8687,7 +8724,7 @@
           </a:xfrm>
         </p:spPr>
         <p:txBody>
-          <a:bodyPr wrap="square">
+          <a:bodyPr vert="horz" wrap="square" lIns="0" tIns="0" rIns="0" bIns="0" rtlCol="0" anchor="t">
             <a:normAutofit/>
           </a:bodyPr>
           <a:lstStyle/>
@@ -8698,9 +8735,12 @@
               </a:spcAft>
             </a:pPr>
             <a:r>
-              <a:rPr lang="en-US" dirty="0"/>
-              <a:t>Module 5</a:t>
-            </a:r>
+              <a:rPr lang="en-US" dirty="0">
+                <a:cs typeface="Segoe UI"/>
+              </a:rPr>
+              <a:t>Module 2</a:t>
+            </a:r>
+            <a:endParaRPr lang="en-US" dirty="0"/>
           </a:p>
         </p:txBody>
       </p:sp>
@@ -13332,8 +13372,14 @@
 </file>
 
 <file path=customXml/item1.xml><?xml version="1.0" encoding="utf-8"?>
-<ct:contentTypeSchema xmlns:ct="http://schemas.microsoft.com/office/2006/metadata/contentType" xmlns:ma="http://schemas.microsoft.com/office/2006/metadata/properties/metaAttributes" ct:_="" ma:_="" ma:contentTypeName="Document" ma:contentTypeID="0x010100B8CFE09A3088BA4C8DAD689BB01679B8" ma:contentTypeVersion="9" ma:contentTypeDescription="Create a new document." ma:contentTypeScope="" ma:versionID="9901e68310f0a69fd8d438338a747a78">
-  <xsd:schema xmlns:xsd="http://www.w3.org/2001/XMLSchema" xmlns:xs="http://www.w3.org/2001/XMLSchema" xmlns:p="http://schemas.microsoft.com/office/2006/metadata/properties" xmlns:ns2="30241bb1-3633-4696-a205-62244f9c1dd7" targetNamespace="http://schemas.microsoft.com/office/2006/metadata/properties" ma:root="true" ma:fieldsID="eeadd9cebd65e56a7a0d685c55c99f9d" ns2:_="">
+<p:properties xmlns:p="http://schemas.microsoft.com/office/2006/metadata/properties" xmlns:xsi="http://www.w3.org/2001/XMLSchema-instance" xmlns:pc="http://schemas.microsoft.com/office/infopath/2007/PartnerControls">
+  <documentManagement/>
+</p:properties>
+</file>
+
+<file path=customXml/item2.xml><?xml version="1.0" encoding="utf-8"?>
+<ct:contentTypeSchema xmlns:ct="http://schemas.microsoft.com/office/2006/metadata/contentType" xmlns:ma="http://schemas.microsoft.com/office/2006/metadata/properties/metaAttributes" ct:_="" ma:_="" ma:contentTypeName="Document" ma:contentTypeID="0x010100B8CFE09A3088BA4C8DAD689BB01679B8" ma:contentTypeVersion="10" ma:contentTypeDescription="Create a new document." ma:contentTypeScope="" ma:versionID="76f34acd9020c8ce1aab729b67fd078e">
+  <xsd:schema xmlns:xsd="http://www.w3.org/2001/XMLSchema" xmlns:xs="http://www.w3.org/2001/XMLSchema" xmlns:p="http://schemas.microsoft.com/office/2006/metadata/properties" xmlns:ns2="30241bb1-3633-4696-a205-62244f9c1dd7" targetNamespace="http://schemas.microsoft.com/office/2006/metadata/properties" ma:root="true" ma:fieldsID="a37d36f2a6ec64e42d083cbe14a0e6d2" ns2:_="">
     <xsd:import namespace="30241bb1-3633-4696-a205-62244f9c1dd7"/>
     <xsd:element name="properties">
       <xsd:complexType>
@@ -13350,6 +13396,7 @@
                 <xsd:element ref="ns2:MediaServiceGenerationTime" minOccurs="0"/>
                 <xsd:element ref="ns2:MediaServiceEventHashCode" minOccurs="0"/>
                 <xsd:element ref="ns2:MediaServiceOCR" minOccurs="0"/>
+                <xsd:element ref="ns2:MediaServiceObjectDetectorVersions" minOccurs="0"/>
               </xsd:all>
             </xsd:complexType>
           </xsd:element>
@@ -13407,6 +13454,11 @@
         <xsd:restriction base="dms:Note">
           <xsd:maxLength value="255"/>
         </xsd:restriction>
+      </xsd:simpleType>
+    </xsd:element>
+    <xsd:element name="MediaServiceObjectDetectorVersions" ma:index="17" nillable="true" ma:displayName="MediaServiceObjectDetectorVersions" ma:hidden="true" ma:indexed="true" ma:internalName="MediaServiceObjectDetectorVersions" ma:readOnly="true">
+      <xsd:simpleType>
+        <xsd:restriction base="dms:Text"/>
       </xsd:simpleType>
     </xsd:element>
   </xsd:schema>
@@ -13509,12 +13561,6 @@
 </ct:contentTypeSchema>
 </file>
 
-<file path=customXml/item2.xml><?xml version="1.0" encoding="utf-8"?>
-<p:properties xmlns:p="http://schemas.microsoft.com/office/2006/metadata/properties" xmlns:xsi="http://www.w3.org/2001/XMLSchema-instance" xmlns:pc="http://schemas.microsoft.com/office/infopath/2007/PartnerControls">
-  <documentManagement/>
-</p:properties>
-</file>
-
 <file path=customXml/item3.xml><?xml version="1.0" encoding="utf-8"?>
 <?mso-contentType ?>
 <FormTemplates xmlns="http://schemas.microsoft.com/sharepoint/v3/contenttype/forms">
@@ -13525,10 +13571,6 @@
 </file>
 
 <file path=customXml/itemProps1.xml><?xml version="1.0" encoding="utf-8"?>
-<ds:datastoreItem xmlns:ds="http://schemas.openxmlformats.org/officeDocument/2006/customXml" ds:itemID="{F16A6074-FBBD-4068-B9F7-59EA6B90C2A1}"/>
-</file>
-
-<file path=customXml/itemProps2.xml><?xml version="1.0" encoding="utf-8"?>
 <ds:datastoreItem xmlns:ds="http://schemas.openxmlformats.org/officeDocument/2006/customXml" ds:itemID="{EDCB3B52-9508-4A63-AFCC-05E7630C15CA}">
   <ds:schemaRefs>
     <ds:schemaRef ds:uri="http://schemas.microsoft.com/office/2006/metadata/properties"/>
@@ -13537,6 +13579,10 @@
     <ds:schemaRef ds:uri="df7f103e-597c-493b-bc31-914106b908e0"/>
   </ds:schemaRefs>
 </ds:datastoreItem>
+</file>
+
+<file path=customXml/itemProps2.xml><?xml version="1.0" encoding="utf-8"?>
+<ds:datastoreItem xmlns:ds="http://schemas.openxmlformats.org/officeDocument/2006/customXml" ds:itemID="{22F5AF32-AD21-409E-8D6B-6D819F8706EF}"/>
 </file>
 
 <file path=customXml/itemProps3.xml><?xml version="1.0" encoding="utf-8"?>

--- a/slides/Dantoni-Opsgility-MSFabric-Module2 v2.pptx
+++ b/slides/Dantoni-Opsgility-MSFabric-Module2 v2.pptx
@@ -244,7 +244,7 @@
           <a:p>
             <a:fld id="{0D354273-E04F-4A6B-AB46-301CAB090479}" type="datetimeFigureOut">
               <a:rPr lang="en-US" smtClean="0"/>
-              <a:t>9/25/2023</a:t>
+              <a:t>11/21/2023</a:t>
             </a:fld>
             <a:endParaRPr lang="en-US" dirty="0"/>
           </a:p>
@@ -11736,7 +11736,7 @@
           <p:nvPr>
             <p:extLst>
               <p:ext uri="{D42A27DB-BD31-4B8C-83A1-F6EECF244321}">
-                <p14:modId xmlns:p14="http://schemas.microsoft.com/office/powerpoint/2010/main" val="1019253515"/>
+                <p14:modId xmlns:p14="http://schemas.microsoft.com/office/powerpoint/2010/main" val="1533828201"/>
               </p:ext>
             </p:extLst>
           </p:nvPr>
@@ -11797,11 +11797,17 @@
                       <a:pPr algn="l" fontAlgn="t"/>
                       <a:r>
                         <a:rPr lang="en-US" sz="2400" b="1" dirty="0">
+                          <a:solidFill>
+                            <a:schemeClr val="bg1"/>
+                          </a:solidFill>
                           <a:effectLst/>
                         </a:rPr>
                         <a:t>Capability</a:t>
                       </a:r>
                       <a:endParaRPr lang="en-US" sz="2400" dirty="0">
+                        <a:solidFill>
+                          <a:schemeClr val="bg1"/>
+                        </a:solidFill>
                         <a:effectLst/>
                       </a:endParaRPr>
                     </a:p>
@@ -11816,11 +11822,17 @@
                       <a:pPr algn="l" fontAlgn="t"/>
                       <a:r>
                         <a:rPr lang="en-US" sz="2400" b="1" dirty="0">
+                          <a:solidFill>
+                            <a:schemeClr val="bg1"/>
+                          </a:solidFill>
                           <a:effectLst/>
                         </a:rPr>
                         <a:t>Admin</a:t>
                       </a:r>
                       <a:endParaRPr lang="en-US" sz="2400" dirty="0">
+                        <a:solidFill>
+                          <a:schemeClr val="bg1"/>
+                        </a:solidFill>
                         <a:effectLst/>
                       </a:endParaRPr>
                     </a:p>
@@ -11835,11 +11847,17 @@
                       <a:pPr algn="l" fontAlgn="t"/>
                       <a:r>
                         <a:rPr lang="en-US" sz="2400" b="1" dirty="0">
+                          <a:solidFill>
+                            <a:schemeClr val="bg1"/>
+                          </a:solidFill>
                           <a:effectLst/>
                         </a:rPr>
                         <a:t>Member</a:t>
                       </a:r>
                       <a:endParaRPr lang="en-US" sz="2400" dirty="0">
+                        <a:solidFill>
+                          <a:schemeClr val="bg1"/>
+                        </a:solidFill>
                         <a:effectLst/>
                       </a:endParaRPr>
                     </a:p>
@@ -11854,11 +11872,17 @@
                       <a:pPr algn="l" fontAlgn="t"/>
                       <a:r>
                         <a:rPr lang="en-US" sz="2400" b="1" dirty="0">
+                          <a:solidFill>
+                            <a:schemeClr val="bg1"/>
+                          </a:solidFill>
                           <a:effectLst/>
                         </a:rPr>
                         <a:t>Contributor</a:t>
                       </a:r>
                       <a:endParaRPr lang="en-US" sz="2400" dirty="0">
+                        <a:solidFill>
+                          <a:schemeClr val="bg1"/>
+                        </a:solidFill>
                         <a:effectLst/>
                       </a:endParaRPr>
                     </a:p>
@@ -11873,11 +11897,17 @@
                       <a:pPr algn="l" fontAlgn="t"/>
                       <a:r>
                         <a:rPr lang="en-US" sz="2400" b="1" dirty="0">
+                          <a:solidFill>
+                            <a:schemeClr val="bg1"/>
+                          </a:solidFill>
                           <a:effectLst/>
                         </a:rPr>
                         <a:t>Viewer</a:t>
                       </a:r>
                       <a:endParaRPr lang="en-US" sz="2400" dirty="0">
+                        <a:solidFill>
+                          <a:schemeClr val="bg1"/>
+                        </a:solidFill>
                         <a:effectLst/>
                       </a:endParaRPr>
                     </a:p>
@@ -12145,7 +12175,7 @@
             <p:ph sz="quarter" idx="10"/>
             <p:extLst>
               <p:ext uri="{D42A27DB-BD31-4B8C-83A1-F6EECF244321}">
-                <p14:modId xmlns:p14="http://schemas.microsoft.com/office/powerpoint/2010/main" val="1221670543"/>
+                <p14:modId xmlns:p14="http://schemas.microsoft.com/office/powerpoint/2010/main" val="4221885769"/>
               </p:ext>
             </p:extLst>
           </p:nvPr>
@@ -12206,11 +12236,17 @@
                       <a:pPr algn="l" fontAlgn="t"/>
                       <a:r>
                         <a:rPr lang="en-US" sz="2400" b="1" dirty="0">
+                          <a:solidFill>
+                            <a:schemeClr val="bg1"/>
+                          </a:solidFill>
                           <a:effectLst/>
                         </a:rPr>
                         <a:t>Permission Name</a:t>
                       </a:r>
                       <a:endParaRPr lang="en-US" sz="2400" dirty="0">
+                        <a:solidFill>
+                          <a:schemeClr val="bg1"/>
+                        </a:solidFill>
                         <a:effectLst/>
                       </a:endParaRPr>
                     </a:p>
@@ -12225,11 +12261,17 @@
                       <a:pPr algn="l" fontAlgn="t"/>
                       <a:r>
                         <a:rPr lang="en-US" sz="2400" b="1" dirty="0">
+                          <a:solidFill>
+                            <a:schemeClr val="bg1"/>
+                          </a:solidFill>
                           <a:effectLst/>
                         </a:rPr>
                         <a:t>Sharing text</a:t>
                       </a:r>
                       <a:endParaRPr lang="en-US" sz="2400" dirty="0">
+                        <a:solidFill>
+                          <a:schemeClr val="bg1"/>
+                        </a:solidFill>
                         <a:effectLst/>
                       </a:endParaRPr>
                     </a:p>
@@ -12244,11 +12286,17 @@
                       <a:pPr algn="l" fontAlgn="t"/>
                       <a:r>
                         <a:rPr lang="en-US" sz="2400" b="1" dirty="0">
+                          <a:solidFill>
+                            <a:schemeClr val="bg1"/>
+                          </a:solidFill>
                           <a:effectLst/>
                         </a:rPr>
                         <a:t>Can view files in OneLake?</a:t>
                       </a:r>
                       <a:endParaRPr lang="en-US" sz="2400" dirty="0">
+                        <a:solidFill>
+                          <a:schemeClr val="bg1"/>
+                        </a:solidFill>
                         <a:effectLst/>
                       </a:endParaRPr>
                     </a:p>
@@ -12263,11 +12311,17 @@
                       <a:pPr algn="l" fontAlgn="t"/>
                       <a:r>
                         <a:rPr lang="en-US" sz="2400" b="1" dirty="0">
+                          <a:solidFill>
+                            <a:schemeClr val="bg1"/>
+                          </a:solidFill>
                           <a:effectLst/>
                         </a:rPr>
                         <a:t>Can write files in OneLake?</a:t>
                       </a:r>
                       <a:endParaRPr lang="en-US" sz="2400" dirty="0">
+                        <a:solidFill>
+                          <a:schemeClr val="bg1"/>
+                        </a:solidFill>
                         <a:effectLst/>
                       </a:endParaRPr>
                     </a:p>
@@ -12282,11 +12336,17 @@
                       <a:pPr algn="l" fontAlgn="t"/>
                       <a:r>
                         <a:rPr lang="en-US" sz="2400" b="1" dirty="0">
+                          <a:solidFill>
+                            <a:schemeClr val="bg1"/>
+                          </a:solidFill>
                           <a:effectLst/>
                         </a:rPr>
                         <a:t>Can read data through SQL endpoint?</a:t>
                       </a:r>
                       <a:endParaRPr lang="en-US" sz="2400" dirty="0">
+                        <a:solidFill>
+                          <a:schemeClr val="bg1"/>
+                        </a:solidFill>
                         <a:effectLst/>
                       </a:endParaRPr>
                     </a:p>
@@ -13372,12 +13432,6 @@
 </file>
 
 <file path=customXml/item1.xml><?xml version="1.0" encoding="utf-8"?>
-<p:properties xmlns:p="http://schemas.microsoft.com/office/2006/metadata/properties" xmlns:xsi="http://www.w3.org/2001/XMLSchema-instance" xmlns:pc="http://schemas.microsoft.com/office/infopath/2007/PartnerControls">
-  <documentManagement/>
-</p:properties>
-</file>
-
-<file path=customXml/item2.xml><?xml version="1.0" encoding="utf-8"?>
 <ct:contentTypeSchema xmlns:ct="http://schemas.microsoft.com/office/2006/metadata/contentType" xmlns:ma="http://schemas.microsoft.com/office/2006/metadata/properties/metaAttributes" ct:_="" ma:_="" ma:contentTypeName="Document" ma:contentTypeID="0x010100B8CFE09A3088BA4C8DAD689BB01679B8" ma:contentTypeVersion="10" ma:contentTypeDescription="Create a new document." ma:contentTypeScope="" ma:versionID="76f34acd9020c8ce1aab729b67fd078e">
   <xsd:schema xmlns:xsd="http://www.w3.org/2001/XMLSchema" xmlns:xs="http://www.w3.org/2001/XMLSchema" xmlns:p="http://schemas.microsoft.com/office/2006/metadata/properties" xmlns:ns2="30241bb1-3633-4696-a205-62244f9c1dd7" targetNamespace="http://schemas.microsoft.com/office/2006/metadata/properties" ma:root="true" ma:fieldsID="a37d36f2a6ec64e42d083cbe14a0e6d2" ns2:_="">
     <xsd:import namespace="30241bb1-3633-4696-a205-62244f9c1dd7"/>
@@ -13561,6 +13615,12 @@
 </ct:contentTypeSchema>
 </file>
 
+<file path=customXml/item2.xml><?xml version="1.0" encoding="utf-8"?>
+<p:properties xmlns:p="http://schemas.microsoft.com/office/2006/metadata/properties" xmlns:xsi="http://www.w3.org/2001/XMLSchema-instance" xmlns:pc="http://schemas.microsoft.com/office/infopath/2007/PartnerControls">
+  <documentManagement/>
+</p:properties>
+</file>
+
 <file path=customXml/item3.xml><?xml version="1.0" encoding="utf-8"?>
 <?mso-contentType ?>
 <FormTemplates xmlns="http://schemas.microsoft.com/sharepoint/v3/contenttype/forms">
@@ -13571,6 +13631,24 @@
 </file>
 
 <file path=customXml/itemProps1.xml><?xml version="1.0" encoding="utf-8"?>
+<ds:datastoreItem xmlns:ds="http://schemas.openxmlformats.org/officeDocument/2006/customXml" ds:itemID="{22F5AF32-AD21-409E-8D6B-6D819F8706EF}">
+  <ds:schemaRefs>
+    <ds:schemaRef ds:uri="http://schemas.microsoft.com/office/2006/metadata/contentType"/>
+    <ds:schemaRef ds:uri="http://schemas.microsoft.com/office/2006/metadata/properties/metaAttributes"/>
+    <ds:schemaRef ds:uri="http://www.w3.org/2001/XMLSchema"/>
+    <ds:schemaRef ds:uri="http://schemas.microsoft.com/office/2006/metadata/properties"/>
+    <ds:schemaRef ds:uri="30241bb1-3633-4696-a205-62244f9c1dd7"/>
+    <ds:schemaRef ds:uri="http://schemas.microsoft.com/office/2006/documentManagement/types"/>
+    <ds:schemaRef ds:uri="http://schemas.microsoft.com/office/infopath/2007/PartnerControls"/>
+    <ds:schemaRef ds:uri="http://schemas.openxmlformats.org/package/2006/metadata/core-properties"/>
+    <ds:schemaRef ds:uri="http://purl.org/dc/elements/1.1/"/>
+    <ds:schemaRef ds:uri="http://purl.org/dc/terms/"/>
+    <ds:schemaRef ds:uri="http://schemas.microsoft.com/internal/obd"/>
+  </ds:schemaRefs>
+</ds:datastoreItem>
+</file>
+
+<file path=customXml/itemProps2.xml><?xml version="1.0" encoding="utf-8"?>
 <ds:datastoreItem xmlns:ds="http://schemas.openxmlformats.org/officeDocument/2006/customXml" ds:itemID="{EDCB3B52-9508-4A63-AFCC-05E7630C15CA}">
   <ds:schemaRefs>
     <ds:schemaRef ds:uri="http://schemas.microsoft.com/office/2006/metadata/properties"/>
@@ -13579,10 +13657,6 @@
     <ds:schemaRef ds:uri="df7f103e-597c-493b-bc31-914106b908e0"/>
   </ds:schemaRefs>
 </ds:datastoreItem>
-</file>
-
-<file path=customXml/itemProps2.xml><?xml version="1.0" encoding="utf-8"?>
-<ds:datastoreItem xmlns:ds="http://schemas.openxmlformats.org/officeDocument/2006/customXml" ds:itemID="{22F5AF32-AD21-409E-8D6B-6D819F8706EF}"/>
 </file>
 
 <file path=customXml/itemProps3.xml><?xml version="1.0" encoding="utf-8"?>
